--- a/ppt 16-9/1042.生命江河.pptx
+++ b/ppt 16-9/1042.生命江河.pptx
@@ -129,7 +129,7 @@
           <p:cNvPr id="2" name="标题 1">
             <a:extLst>
               <a:ext uri="{FF2B5EF4-FFF2-40B4-BE49-F238E27FC236}">
-                <a16:creationId xmlns:a16="http://schemas.microsoft.com/office/drawing/2014/main" id="{253F8396-0F47-3C09-A72E-B4A09CC3A81A}"/>
+                <a16:creationId xmlns:a16="http://schemas.microsoft.com/office/drawing/2014/main" id="{3CEC5C97-8B98-8F99-1692-6B65BD6DEC1A}"/>
               </a:ext>
             </a:extLst>
           </p:cNvPr>
@@ -166,7 +166,7 @@
           <p:cNvPr id="3" name="副标题 2">
             <a:extLst>
               <a:ext uri="{FF2B5EF4-FFF2-40B4-BE49-F238E27FC236}">
-                <a16:creationId xmlns:a16="http://schemas.microsoft.com/office/drawing/2014/main" id="{3641BA67-B135-2E0B-713E-D32742787522}"/>
+                <a16:creationId xmlns:a16="http://schemas.microsoft.com/office/drawing/2014/main" id="{4096AD0D-2591-20BA-8E2D-1CA3225AF5D3}"/>
               </a:ext>
             </a:extLst>
           </p:cNvPr>
@@ -236,7 +236,7 @@
           <p:cNvPr id="4" name="日期占位符 3">
             <a:extLst>
               <a:ext uri="{FF2B5EF4-FFF2-40B4-BE49-F238E27FC236}">
-                <a16:creationId xmlns:a16="http://schemas.microsoft.com/office/drawing/2014/main" id="{5F4F2ACF-B8DE-8E60-2E76-D4EC87FE9DD0}"/>
+                <a16:creationId xmlns:a16="http://schemas.microsoft.com/office/drawing/2014/main" id="{3CBF967B-95E9-D3C4-0F4B-B34DF705310B}"/>
               </a:ext>
             </a:extLst>
           </p:cNvPr>
@@ -252,7 +252,7 @@
           <a:bodyPr/>
           <a:lstStyle/>
           <a:p>
-            <a:fld id="{87B84423-49DA-488F-A742-F8509C78FBC0}" type="datetimeFigureOut">
+            <a:fld id="{D5509F06-EA1B-44FA-B1CB-A92E80C6D429}" type="datetimeFigureOut">
               <a:rPr lang="zh-CN" altLang="en-US" smtClean="0"/>
               <a:t>2024/3/10</a:t>
             </a:fld>
@@ -265,7 +265,7 @@
           <p:cNvPr id="5" name="页脚占位符 4">
             <a:extLst>
               <a:ext uri="{FF2B5EF4-FFF2-40B4-BE49-F238E27FC236}">
-                <a16:creationId xmlns:a16="http://schemas.microsoft.com/office/drawing/2014/main" id="{FD6B4FFA-904F-FB2F-7186-2D2CD12A446B}"/>
+                <a16:creationId xmlns:a16="http://schemas.microsoft.com/office/drawing/2014/main" id="{C03E225C-81DB-DFD4-770D-3E524EA0DF97}"/>
               </a:ext>
             </a:extLst>
           </p:cNvPr>
@@ -290,7 +290,7 @@
           <p:cNvPr id="6" name="灯片编号占位符 5">
             <a:extLst>
               <a:ext uri="{FF2B5EF4-FFF2-40B4-BE49-F238E27FC236}">
-                <a16:creationId xmlns:a16="http://schemas.microsoft.com/office/drawing/2014/main" id="{63B1751A-058A-9A31-2A1B-3D800A54F89C}"/>
+                <a16:creationId xmlns:a16="http://schemas.microsoft.com/office/drawing/2014/main" id="{0BC7EEF1-163F-61A0-F0CC-6A2FF76E8CC2}"/>
               </a:ext>
             </a:extLst>
           </p:cNvPr>
@@ -306,7 +306,7 @@
           <a:bodyPr/>
           <a:lstStyle/>
           <a:p>
-            <a:fld id="{42ACB6E0-3B29-45B2-B0DB-A9B4DB8E5D7E}" type="slidenum">
+            <a:fld id="{4C44E83F-F428-4203-A1BB-E88E6F9378C2}" type="slidenum">
               <a:rPr lang="zh-CN" altLang="en-US" smtClean="0"/>
               <a:t>‹#›</a:t>
             </a:fld>
@@ -317,7 +317,7 @@
     </p:spTree>
     <p:extLst>
       <p:ext uri="{BB962C8B-B14F-4D97-AF65-F5344CB8AC3E}">
-        <p14:creationId xmlns:p14="http://schemas.microsoft.com/office/powerpoint/2010/main" val="518323808"/>
+        <p14:creationId xmlns:p14="http://schemas.microsoft.com/office/powerpoint/2010/main" val="226697621"/>
       </p:ext>
     </p:extLst>
   </p:cSld>
@@ -349,7 +349,7 @@
           <p:cNvPr id="2" name="标题 1">
             <a:extLst>
               <a:ext uri="{FF2B5EF4-FFF2-40B4-BE49-F238E27FC236}">
-                <a16:creationId xmlns:a16="http://schemas.microsoft.com/office/drawing/2014/main" id="{259B6CE9-A437-B772-42F1-B507C67CB277}"/>
+                <a16:creationId xmlns:a16="http://schemas.microsoft.com/office/drawing/2014/main" id="{B9F31A51-6F66-9B60-884B-37185E855ED7}"/>
               </a:ext>
             </a:extLst>
           </p:cNvPr>
@@ -377,7 +377,7 @@
           <p:cNvPr id="3" name="竖排文字占位符 2">
             <a:extLst>
               <a:ext uri="{FF2B5EF4-FFF2-40B4-BE49-F238E27FC236}">
-                <a16:creationId xmlns:a16="http://schemas.microsoft.com/office/drawing/2014/main" id="{06411700-6B3D-1B21-DA4F-26D1CA11B651}"/>
+                <a16:creationId xmlns:a16="http://schemas.microsoft.com/office/drawing/2014/main" id="{94850AA3-9CD9-A307-065E-3450AB8CFDBD}"/>
               </a:ext>
             </a:extLst>
           </p:cNvPr>
@@ -434,7 +434,7 @@
           <p:cNvPr id="4" name="日期占位符 3">
             <a:extLst>
               <a:ext uri="{FF2B5EF4-FFF2-40B4-BE49-F238E27FC236}">
-                <a16:creationId xmlns:a16="http://schemas.microsoft.com/office/drawing/2014/main" id="{AA95419D-F9E0-B88B-F94D-A5CC04153D5F}"/>
+                <a16:creationId xmlns:a16="http://schemas.microsoft.com/office/drawing/2014/main" id="{FB68068A-C2E7-A2FC-B3A7-3A991E7811E2}"/>
               </a:ext>
             </a:extLst>
           </p:cNvPr>
@@ -450,7 +450,7 @@
           <a:bodyPr/>
           <a:lstStyle/>
           <a:p>
-            <a:fld id="{87B84423-49DA-488F-A742-F8509C78FBC0}" type="datetimeFigureOut">
+            <a:fld id="{D5509F06-EA1B-44FA-B1CB-A92E80C6D429}" type="datetimeFigureOut">
               <a:rPr lang="zh-CN" altLang="en-US" smtClean="0"/>
               <a:t>2024/3/10</a:t>
             </a:fld>
@@ -463,7 +463,7 @@
           <p:cNvPr id="5" name="页脚占位符 4">
             <a:extLst>
               <a:ext uri="{FF2B5EF4-FFF2-40B4-BE49-F238E27FC236}">
-                <a16:creationId xmlns:a16="http://schemas.microsoft.com/office/drawing/2014/main" id="{B3171C06-D7A7-25B6-2498-2C427DF38073}"/>
+                <a16:creationId xmlns:a16="http://schemas.microsoft.com/office/drawing/2014/main" id="{71146C68-6006-E158-3D2B-3B35E32174E5}"/>
               </a:ext>
             </a:extLst>
           </p:cNvPr>
@@ -488,7 +488,7 @@
           <p:cNvPr id="6" name="灯片编号占位符 5">
             <a:extLst>
               <a:ext uri="{FF2B5EF4-FFF2-40B4-BE49-F238E27FC236}">
-                <a16:creationId xmlns:a16="http://schemas.microsoft.com/office/drawing/2014/main" id="{7AF502EB-B9C0-F563-8E47-64453202C1FC}"/>
+                <a16:creationId xmlns:a16="http://schemas.microsoft.com/office/drawing/2014/main" id="{AAA66093-D94C-A0B8-3992-20A01B998316}"/>
               </a:ext>
             </a:extLst>
           </p:cNvPr>
@@ -504,7 +504,7 @@
           <a:bodyPr/>
           <a:lstStyle/>
           <a:p>
-            <a:fld id="{42ACB6E0-3B29-45B2-B0DB-A9B4DB8E5D7E}" type="slidenum">
+            <a:fld id="{4C44E83F-F428-4203-A1BB-E88E6F9378C2}" type="slidenum">
               <a:rPr lang="zh-CN" altLang="en-US" smtClean="0"/>
               <a:t>‹#›</a:t>
             </a:fld>
@@ -515,7 +515,7 @@
     </p:spTree>
     <p:extLst>
       <p:ext uri="{BB962C8B-B14F-4D97-AF65-F5344CB8AC3E}">
-        <p14:creationId xmlns:p14="http://schemas.microsoft.com/office/powerpoint/2010/main" val="3004475324"/>
+        <p14:creationId xmlns:p14="http://schemas.microsoft.com/office/powerpoint/2010/main" val="2856249040"/>
       </p:ext>
     </p:extLst>
   </p:cSld>
@@ -547,7 +547,7 @@
           <p:cNvPr id="2" name="竖排标题 1">
             <a:extLst>
               <a:ext uri="{FF2B5EF4-FFF2-40B4-BE49-F238E27FC236}">
-                <a16:creationId xmlns:a16="http://schemas.microsoft.com/office/drawing/2014/main" id="{6D46743A-56FD-5216-5945-48004C8D1E9D}"/>
+                <a16:creationId xmlns:a16="http://schemas.microsoft.com/office/drawing/2014/main" id="{C62708BC-519D-CC54-400D-19B48FDD58E4}"/>
               </a:ext>
             </a:extLst>
           </p:cNvPr>
@@ -580,7 +580,7 @@
           <p:cNvPr id="3" name="竖排文字占位符 2">
             <a:extLst>
               <a:ext uri="{FF2B5EF4-FFF2-40B4-BE49-F238E27FC236}">
-                <a16:creationId xmlns:a16="http://schemas.microsoft.com/office/drawing/2014/main" id="{0A16400E-CF6A-D127-5616-72F0338D29DD}"/>
+                <a16:creationId xmlns:a16="http://schemas.microsoft.com/office/drawing/2014/main" id="{88D90274-A4F7-07C7-CDDD-D348A43C8137}"/>
               </a:ext>
             </a:extLst>
           </p:cNvPr>
@@ -642,7 +642,7 @@
           <p:cNvPr id="4" name="日期占位符 3">
             <a:extLst>
               <a:ext uri="{FF2B5EF4-FFF2-40B4-BE49-F238E27FC236}">
-                <a16:creationId xmlns:a16="http://schemas.microsoft.com/office/drawing/2014/main" id="{F2509639-0A9F-5940-761B-F1648E300D0E}"/>
+                <a16:creationId xmlns:a16="http://schemas.microsoft.com/office/drawing/2014/main" id="{7D4FFB9D-DD7A-AB04-F548-C04233015860}"/>
               </a:ext>
             </a:extLst>
           </p:cNvPr>
@@ -658,7 +658,7 @@
           <a:bodyPr/>
           <a:lstStyle/>
           <a:p>
-            <a:fld id="{87B84423-49DA-488F-A742-F8509C78FBC0}" type="datetimeFigureOut">
+            <a:fld id="{D5509F06-EA1B-44FA-B1CB-A92E80C6D429}" type="datetimeFigureOut">
               <a:rPr lang="zh-CN" altLang="en-US" smtClean="0"/>
               <a:t>2024/3/10</a:t>
             </a:fld>
@@ -671,7 +671,7 @@
           <p:cNvPr id="5" name="页脚占位符 4">
             <a:extLst>
               <a:ext uri="{FF2B5EF4-FFF2-40B4-BE49-F238E27FC236}">
-                <a16:creationId xmlns:a16="http://schemas.microsoft.com/office/drawing/2014/main" id="{09C09B73-1762-A770-798F-C2EF2C82C6AB}"/>
+                <a16:creationId xmlns:a16="http://schemas.microsoft.com/office/drawing/2014/main" id="{2330C328-51EA-0366-CF2F-C777BDEE4A90}"/>
               </a:ext>
             </a:extLst>
           </p:cNvPr>
@@ -696,7 +696,7 @@
           <p:cNvPr id="6" name="灯片编号占位符 5">
             <a:extLst>
               <a:ext uri="{FF2B5EF4-FFF2-40B4-BE49-F238E27FC236}">
-                <a16:creationId xmlns:a16="http://schemas.microsoft.com/office/drawing/2014/main" id="{0E957F50-7121-F4CD-F47C-B05364BB7F34}"/>
+                <a16:creationId xmlns:a16="http://schemas.microsoft.com/office/drawing/2014/main" id="{A61F2B8D-755F-58F3-8BBE-3F15D6C64E60}"/>
               </a:ext>
             </a:extLst>
           </p:cNvPr>
@@ -712,7 +712,7 @@
           <a:bodyPr/>
           <a:lstStyle/>
           <a:p>
-            <a:fld id="{42ACB6E0-3B29-45B2-B0DB-A9B4DB8E5D7E}" type="slidenum">
+            <a:fld id="{4C44E83F-F428-4203-A1BB-E88E6F9378C2}" type="slidenum">
               <a:rPr lang="zh-CN" altLang="en-US" smtClean="0"/>
               <a:t>‹#›</a:t>
             </a:fld>
@@ -723,7 +723,7 @@
     </p:spTree>
     <p:extLst>
       <p:ext uri="{BB962C8B-B14F-4D97-AF65-F5344CB8AC3E}">
-        <p14:creationId xmlns:p14="http://schemas.microsoft.com/office/powerpoint/2010/main" val="3832699488"/>
+        <p14:creationId xmlns:p14="http://schemas.microsoft.com/office/powerpoint/2010/main" val="2952205335"/>
       </p:ext>
     </p:extLst>
   </p:cSld>
@@ -755,7 +755,7 @@
           <p:cNvPr id="2" name="标题 1">
             <a:extLst>
               <a:ext uri="{FF2B5EF4-FFF2-40B4-BE49-F238E27FC236}">
-                <a16:creationId xmlns:a16="http://schemas.microsoft.com/office/drawing/2014/main" id="{37275329-1A01-99CB-9CF4-31BA97140E01}"/>
+                <a16:creationId xmlns:a16="http://schemas.microsoft.com/office/drawing/2014/main" id="{78725EB7-0AC6-6196-52DB-F0440266FCD7}"/>
               </a:ext>
             </a:extLst>
           </p:cNvPr>
@@ -783,7 +783,7 @@
           <p:cNvPr id="3" name="内容占位符 2">
             <a:extLst>
               <a:ext uri="{FF2B5EF4-FFF2-40B4-BE49-F238E27FC236}">
-                <a16:creationId xmlns:a16="http://schemas.microsoft.com/office/drawing/2014/main" id="{1C169A98-D7ED-58BA-BF3C-BBAEB09F7278}"/>
+                <a16:creationId xmlns:a16="http://schemas.microsoft.com/office/drawing/2014/main" id="{C5A5CA64-B246-C62C-ECD0-11B9A60FBC04}"/>
               </a:ext>
             </a:extLst>
           </p:cNvPr>
@@ -840,7 +840,7 @@
           <p:cNvPr id="4" name="日期占位符 3">
             <a:extLst>
               <a:ext uri="{FF2B5EF4-FFF2-40B4-BE49-F238E27FC236}">
-                <a16:creationId xmlns:a16="http://schemas.microsoft.com/office/drawing/2014/main" id="{0C21830D-3B06-7635-F2CA-B03CBAF451E3}"/>
+                <a16:creationId xmlns:a16="http://schemas.microsoft.com/office/drawing/2014/main" id="{73FBE63C-F379-F873-B820-6CC8DE7CFF54}"/>
               </a:ext>
             </a:extLst>
           </p:cNvPr>
@@ -856,7 +856,7 @@
           <a:bodyPr/>
           <a:lstStyle/>
           <a:p>
-            <a:fld id="{87B84423-49DA-488F-A742-F8509C78FBC0}" type="datetimeFigureOut">
+            <a:fld id="{D5509F06-EA1B-44FA-B1CB-A92E80C6D429}" type="datetimeFigureOut">
               <a:rPr lang="zh-CN" altLang="en-US" smtClean="0"/>
               <a:t>2024/3/10</a:t>
             </a:fld>
@@ -869,7 +869,7 @@
           <p:cNvPr id="5" name="页脚占位符 4">
             <a:extLst>
               <a:ext uri="{FF2B5EF4-FFF2-40B4-BE49-F238E27FC236}">
-                <a16:creationId xmlns:a16="http://schemas.microsoft.com/office/drawing/2014/main" id="{FA7BEE5E-B9DB-2CEE-A987-33D258E82A87}"/>
+                <a16:creationId xmlns:a16="http://schemas.microsoft.com/office/drawing/2014/main" id="{ED2FC0C3-5517-7FA6-F4CF-1AA72EB2A1D7}"/>
               </a:ext>
             </a:extLst>
           </p:cNvPr>
@@ -894,7 +894,7 @@
           <p:cNvPr id="6" name="灯片编号占位符 5">
             <a:extLst>
               <a:ext uri="{FF2B5EF4-FFF2-40B4-BE49-F238E27FC236}">
-                <a16:creationId xmlns:a16="http://schemas.microsoft.com/office/drawing/2014/main" id="{FEEF8679-5F9D-3933-E758-BE562FD59EC9}"/>
+                <a16:creationId xmlns:a16="http://schemas.microsoft.com/office/drawing/2014/main" id="{AEDB05DB-8716-C65F-902D-09A87C583B78}"/>
               </a:ext>
             </a:extLst>
           </p:cNvPr>
@@ -910,7 +910,7 @@
           <a:bodyPr/>
           <a:lstStyle/>
           <a:p>
-            <a:fld id="{42ACB6E0-3B29-45B2-B0DB-A9B4DB8E5D7E}" type="slidenum">
+            <a:fld id="{4C44E83F-F428-4203-A1BB-E88E6F9378C2}" type="slidenum">
               <a:rPr lang="zh-CN" altLang="en-US" smtClean="0"/>
               <a:t>‹#›</a:t>
             </a:fld>
@@ -921,7 +921,7 @@
     </p:spTree>
     <p:extLst>
       <p:ext uri="{BB962C8B-B14F-4D97-AF65-F5344CB8AC3E}">
-        <p14:creationId xmlns:p14="http://schemas.microsoft.com/office/powerpoint/2010/main" val="353119994"/>
+        <p14:creationId xmlns:p14="http://schemas.microsoft.com/office/powerpoint/2010/main" val="2663685845"/>
       </p:ext>
     </p:extLst>
   </p:cSld>
@@ -953,7 +953,7 @@
           <p:cNvPr id="2" name="标题 1">
             <a:extLst>
               <a:ext uri="{FF2B5EF4-FFF2-40B4-BE49-F238E27FC236}">
-                <a16:creationId xmlns:a16="http://schemas.microsoft.com/office/drawing/2014/main" id="{ECAC07E8-1B78-7AFC-BC0C-C545D34D08DD}"/>
+                <a16:creationId xmlns:a16="http://schemas.microsoft.com/office/drawing/2014/main" id="{EE741306-BD14-C8C8-9462-CD5161C48B21}"/>
               </a:ext>
             </a:extLst>
           </p:cNvPr>
@@ -990,7 +990,7 @@
           <p:cNvPr id="3" name="文本占位符 2">
             <a:extLst>
               <a:ext uri="{FF2B5EF4-FFF2-40B4-BE49-F238E27FC236}">
-                <a16:creationId xmlns:a16="http://schemas.microsoft.com/office/drawing/2014/main" id="{23DFD6A7-1B84-381B-6C9F-B7A8D9A785FE}"/>
+                <a16:creationId xmlns:a16="http://schemas.microsoft.com/office/drawing/2014/main" id="{3369D610-6A08-A707-548A-475E01474108}"/>
               </a:ext>
             </a:extLst>
           </p:cNvPr>
@@ -1115,7 +1115,7 @@
           <p:cNvPr id="4" name="日期占位符 3">
             <a:extLst>
               <a:ext uri="{FF2B5EF4-FFF2-40B4-BE49-F238E27FC236}">
-                <a16:creationId xmlns:a16="http://schemas.microsoft.com/office/drawing/2014/main" id="{D7E9020D-7BDA-A954-16C5-A4C4741CEBDF}"/>
+                <a16:creationId xmlns:a16="http://schemas.microsoft.com/office/drawing/2014/main" id="{23B57FD7-0BFE-FADB-2D3A-45E511E9A9D9}"/>
               </a:ext>
             </a:extLst>
           </p:cNvPr>
@@ -1131,7 +1131,7 @@
           <a:bodyPr/>
           <a:lstStyle/>
           <a:p>
-            <a:fld id="{87B84423-49DA-488F-A742-F8509C78FBC0}" type="datetimeFigureOut">
+            <a:fld id="{D5509F06-EA1B-44FA-B1CB-A92E80C6D429}" type="datetimeFigureOut">
               <a:rPr lang="zh-CN" altLang="en-US" smtClean="0"/>
               <a:t>2024/3/10</a:t>
             </a:fld>
@@ -1144,7 +1144,7 @@
           <p:cNvPr id="5" name="页脚占位符 4">
             <a:extLst>
               <a:ext uri="{FF2B5EF4-FFF2-40B4-BE49-F238E27FC236}">
-                <a16:creationId xmlns:a16="http://schemas.microsoft.com/office/drawing/2014/main" id="{BA9BC9E4-4CD8-DAEF-CBB4-D1C25CD4AC3F}"/>
+                <a16:creationId xmlns:a16="http://schemas.microsoft.com/office/drawing/2014/main" id="{D92E427B-2C5A-DBC8-2DA4-E91088C4933B}"/>
               </a:ext>
             </a:extLst>
           </p:cNvPr>
@@ -1169,7 +1169,7 @@
           <p:cNvPr id="6" name="灯片编号占位符 5">
             <a:extLst>
               <a:ext uri="{FF2B5EF4-FFF2-40B4-BE49-F238E27FC236}">
-                <a16:creationId xmlns:a16="http://schemas.microsoft.com/office/drawing/2014/main" id="{42EC3E5E-BD3C-DA3E-4213-D52ECA520297}"/>
+                <a16:creationId xmlns:a16="http://schemas.microsoft.com/office/drawing/2014/main" id="{08FAF6CB-9CE1-011D-1101-F4935229D5B7}"/>
               </a:ext>
             </a:extLst>
           </p:cNvPr>
@@ -1185,7 +1185,7 @@
           <a:bodyPr/>
           <a:lstStyle/>
           <a:p>
-            <a:fld id="{42ACB6E0-3B29-45B2-B0DB-A9B4DB8E5D7E}" type="slidenum">
+            <a:fld id="{4C44E83F-F428-4203-A1BB-E88E6F9378C2}" type="slidenum">
               <a:rPr lang="zh-CN" altLang="en-US" smtClean="0"/>
               <a:t>‹#›</a:t>
             </a:fld>
@@ -1196,7 +1196,7 @@
     </p:spTree>
     <p:extLst>
       <p:ext uri="{BB962C8B-B14F-4D97-AF65-F5344CB8AC3E}">
-        <p14:creationId xmlns:p14="http://schemas.microsoft.com/office/powerpoint/2010/main" val="2863192504"/>
+        <p14:creationId xmlns:p14="http://schemas.microsoft.com/office/powerpoint/2010/main" val="599375839"/>
       </p:ext>
     </p:extLst>
   </p:cSld>
@@ -1228,7 +1228,7 @@
           <p:cNvPr id="2" name="标题 1">
             <a:extLst>
               <a:ext uri="{FF2B5EF4-FFF2-40B4-BE49-F238E27FC236}">
-                <a16:creationId xmlns:a16="http://schemas.microsoft.com/office/drawing/2014/main" id="{F9201795-0471-BABB-0C3E-942AE7E83FA3}"/>
+                <a16:creationId xmlns:a16="http://schemas.microsoft.com/office/drawing/2014/main" id="{F56C54FD-D0F3-BE5C-9E5A-C0F158418884}"/>
               </a:ext>
             </a:extLst>
           </p:cNvPr>
@@ -1256,7 +1256,7 @@
           <p:cNvPr id="3" name="内容占位符 2">
             <a:extLst>
               <a:ext uri="{FF2B5EF4-FFF2-40B4-BE49-F238E27FC236}">
-                <a16:creationId xmlns:a16="http://schemas.microsoft.com/office/drawing/2014/main" id="{A8288A6B-E4B5-6D29-6667-E51D496F90EE}"/>
+                <a16:creationId xmlns:a16="http://schemas.microsoft.com/office/drawing/2014/main" id="{9B5D559D-9E1B-6063-987B-830C26DC554D}"/>
               </a:ext>
             </a:extLst>
           </p:cNvPr>
@@ -1318,7 +1318,7 @@
           <p:cNvPr id="4" name="内容占位符 3">
             <a:extLst>
               <a:ext uri="{FF2B5EF4-FFF2-40B4-BE49-F238E27FC236}">
-                <a16:creationId xmlns:a16="http://schemas.microsoft.com/office/drawing/2014/main" id="{9B70B748-DA05-24A1-0E3A-50F85B0467A2}"/>
+                <a16:creationId xmlns:a16="http://schemas.microsoft.com/office/drawing/2014/main" id="{4859D59C-35E1-B08B-E2E9-894F34559761}"/>
               </a:ext>
             </a:extLst>
           </p:cNvPr>
@@ -1380,7 +1380,7 @@
           <p:cNvPr id="5" name="日期占位符 4">
             <a:extLst>
               <a:ext uri="{FF2B5EF4-FFF2-40B4-BE49-F238E27FC236}">
-                <a16:creationId xmlns:a16="http://schemas.microsoft.com/office/drawing/2014/main" id="{EBDD4DE0-47FE-43B7-ACF0-884424B4B2C7}"/>
+                <a16:creationId xmlns:a16="http://schemas.microsoft.com/office/drawing/2014/main" id="{1C6D1BA3-6F5F-B5F7-B13A-457CD1B06831}"/>
               </a:ext>
             </a:extLst>
           </p:cNvPr>
@@ -1396,7 +1396,7 @@
           <a:bodyPr/>
           <a:lstStyle/>
           <a:p>
-            <a:fld id="{87B84423-49DA-488F-A742-F8509C78FBC0}" type="datetimeFigureOut">
+            <a:fld id="{D5509F06-EA1B-44FA-B1CB-A92E80C6D429}" type="datetimeFigureOut">
               <a:rPr lang="zh-CN" altLang="en-US" smtClean="0"/>
               <a:t>2024/3/10</a:t>
             </a:fld>
@@ -1409,7 +1409,7 @@
           <p:cNvPr id="6" name="页脚占位符 5">
             <a:extLst>
               <a:ext uri="{FF2B5EF4-FFF2-40B4-BE49-F238E27FC236}">
-                <a16:creationId xmlns:a16="http://schemas.microsoft.com/office/drawing/2014/main" id="{E0F1EEF5-CB6D-952C-055D-FD21C0BD3E84}"/>
+                <a16:creationId xmlns:a16="http://schemas.microsoft.com/office/drawing/2014/main" id="{7DA8B82C-16DE-6128-D084-374FCB809849}"/>
               </a:ext>
             </a:extLst>
           </p:cNvPr>
@@ -1434,7 +1434,7 @@
           <p:cNvPr id="7" name="灯片编号占位符 6">
             <a:extLst>
               <a:ext uri="{FF2B5EF4-FFF2-40B4-BE49-F238E27FC236}">
-                <a16:creationId xmlns:a16="http://schemas.microsoft.com/office/drawing/2014/main" id="{D989AFBC-E5B2-258C-6F99-FA5386409811}"/>
+                <a16:creationId xmlns:a16="http://schemas.microsoft.com/office/drawing/2014/main" id="{3C42429C-9E2A-2719-1BC1-23B7F894A006}"/>
               </a:ext>
             </a:extLst>
           </p:cNvPr>
@@ -1450,7 +1450,7 @@
           <a:bodyPr/>
           <a:lstStyle/>
           <a:p>
-            <a:fld id="{42ACB6E0-3B29-45B2-B0DB-A9B4DB8E5D7E}" type="slidenum">
+            <a:fld id="{4C44E83F-F428-4203-A1BB-E88E6F9378C2}" type="slidenum">
               <a:rPr lang="zh-CN" altLang="en-US" smtClean="0"/>
               <a:t>‹#›</a:t>
             </a:fld>
@@ -1461,7 +1461,7 @@
     </p:spTree>
     <p:extLst>
       <p:ext uri="{BB962C8B-B14F-4D97-AF65-F5344CB8AC3E}">
-        <p14:creationId xmlns:p14="http://schemas.microsoft.com/office/powerpoint/2010/main" val="1372298252"/>
+        <p14:creationId xmlns:p14="http://schemas.microsoft.com/office/powerpoint/2010/main" val="2089537509"/>
       </p:ext>
     </p:extLst>
   </p:cSld>
@@ -1493,7 +1493,7 @@
           <p:cNvPr id="2" name="标题 1">
             <a:extLst>
               <a:ext uri="{FF2B5EF4-FFF2-40B4-BE49-F238E27FC236}">
-                <a16:creationId xmlns:a16="http://schemas.microsoft.com/office/drawing/2014/main" id="{87C1424B-20D0-151C-A807-334FBEE351D1}"/>
+                <a16:creationId xmlns:a16="http://schemas.microsoft.com/office/drawing/2014/main" id="{BB996AEC-C6C6-C7EF-9762-88908678EE8B}"/>
               </a:ext>
             </a:extLst>
           </p:cNvPr>
@@ -1526,7 +1526,7 @@
           <p:cNvPr id="3" name="文本占位符 2">
             <a:extLst>
               <a:ext uri="{FF2B5EF4-FFF2-40B4-BE49-F238E27FC236}">
-                <a16:creationId xmlns:a16="http://schemas.microsoft.com/office/drawing/2014/main" id="{8738CA78-3080-6E24-52AC-3F6B8C9B34FF}"/>
+                <a16:creationId xmlns:a16="http://schemas.microsoft.com/office/drawing/2014/main" id="{36F67E91-89C1-DD09-14A0-D53EDC5DA609}"/>
               </a:ext>
             </a:extLst>
           </p:cNvPr>
@@ -1597,7 +1597,7 @@
           <p:cNvPr id="4" name="内容占位符 3">
             <a:extLst>
               <a:ext uri="{FF2B5EF4-FFF2-40B4-BE49-F238E27FC236}">
-                <a16:creationId xmlns:a16="http://schemas.microsoft.com/office/drawing/2014/main" id="{BD8FA1AB-73DD-95CF-D5BD-4928AACBCA5E}"/>
+                <a16:creationId xmlns:a16="http://schemas.microsoft.com/office/drawing/2014/main" id="{5326D3F6-16A2-2988-4ABF-806CCCFE4D80}"/>
               </a:ext>
             </a:extLst>
           </p:cNvPr>
@@ -1659,7 +1659,7 @@
           <p:cNvPr id="5" name="文本占位符 4">
             <a:extLst>
               <a:ext uri="{FF2B5EF4-FFF2-40B4-BE49-F238E27FC236}">
-                <a16:creationId xmlns:a16="http://schemas.microsoft.com/office/drawing/2014/main" id="{72262A01-5EFA-33FB-DB4B-544CE0E1ED52}"/>
+                <a16:creationId xmlns:a16="http://schemas.microsoft.com/office/drawing/2014/main" id="{94EE1748-98BB-EB6A-18AD-FF8CFA1FCDA8}"/>
               </a:ext>
             </a:extLst>
           </p:cNvPr>
@@ -1730,7 +1730,7 @@
           <p:cNvPr id="6" name="内容占位符 5">
             <a:extLst>
               <a:ext uri="{FF2B5EF4-FFF2-40B4-BE49-F238E27FC236}">
-                <a16:creationId xmlns:a16="http://schemas.microsoft.com/office/drawing/2014/main" id="{E4739750-85CE-9BC4-3612-CE10BFEA7C42}"/>
+                <a16:creationId xmlns:a16="http://schemas.microsoft.com/office/drawing/2014/main" id="{0FEB64AB-8602-561E-9565-90FD9DBB5C61}"/>
               </a:ext>
             </a:extLst>
           </p:cNvPr>
@@ -1792,7 +1792,7 @@
           <p:cNvPr id="7" name="日期占位符 6">
             <a:extLst>
               <a:ext uri="{FF2B5EF4-FFF2-40B4-BE49-F238E27FC236}">
-                <a16:creationId xmlns:a16="http://schemas.microsoft.com/office/drawing/2014/main" id="{1E9E84FB-5207-66C7-B5E9-198F672E825A}"/>
+                <a16:creationId xmlns:a16="http://schemas.microsoft.com/office/drawing/2014/main" id="{CE43A79B-B8ED-9DB7-5489-714DED0FC527}"/>
               </a:ext>
             </a:extLst>
           </p:cNvPr>
@@ -1808,7 +1808,7 @@
           <a:bodyPr/>
           <a:lstStyle/>
           <a:p>
-            <a:fld id="{87B84423-49DA-488F-A742-F8509C78FBC0}" type="datetimeFigureOut">
+            <a:fld id="{D5509F06-EA1B-44FA-B1CB-A92E80C6D429}" type="datetimeFigureOut">
               <a:rPr lang="zh-CN" altLang="en-US" smtClean="0"/>
               <a:t>2024/3/10</a:t>
             </a:fld>
@@ -1821,7 +1821,7 @@
           <p:cNvPr id="8" name="页脚占位符 7">
             <a:extLst>
               <a:ext uri="{FF2B5EF4-FFF2-40B4-BE49-F238E27FC236}">
-                <a16:creationId xmlns:a16="http://schemas.microsoft.com/office/drawing/2014/main" id="{A3545A99-5A92-1446-D71D-8A851594C9E3}"/>
+                <a16:creationId xmlns:a16="http://schemas.microsoft.com/office/drawing/2014/main" id="{8AE8EA2A-458C-A2CC-5C3D-201B2547D75E}"/>
               </a:ext>
             </a:extLst>
           </p:cNvPr>
@@ -1846,7 +1846,7 @@
           <p:cNvPr id="9" name="灯片编号占位符 8">
             <a:extLst>
               <a:ext uri="{FF2B5EF4-FFF2-40B4-BE49-F238E27FC236}">
-                <a16:creationId xmlns:a16="http://schemas.microsoft.com/office/drawing/2014/main" id="{0679E67D-88D7-F4E5-C6FC-15954E7D85A7}"/>
+                <a16:creationId xmlns:a16="http://schemas.microsoft.com/office/drawing/2014/main" id="{4524B8B7-163C-A470-BD0A-38EF5930F681}"/>
               </a:ext>
             </a:extLst>
           </p:cNvPr>
@@ -1862,7 +1862,7 @@
           <a:bodyPr/>
           <a:lstStyle/>
           <a:p>
-            <a:fld id="{42ACB6E0-3B29-45B2-B0DB-A9B4DB8E5D7E}" type="slidenum">
+            <a:fld id="{4C44E83F-F428-4203-A1BB-E88E6F9378C2}" type="slidenum">
               <a:rPr lang="zh-CN" altLang="en-US" smtClean="0"/>
               <a:t>‹#›</a:t>
             </a:fld>
@@ -1873,7 +1873,7 @@
     </p:spTree>
     <p:extLst>
       <p:ext uri="{BB962C8B-B14F-4D97-AF65-F5344CB8AC3E}">
-        <p14:creationId xmlns:p14="http://schemas.microsoft.com/office/powerpoint/2010/main" val="3110445534"/>
+        <p14:creationId xmlns:p14="http://schemas.microsoft.com/office/powerpoint/2010/main" val="2554678141"/>
       </p:ext>
     </p:extLst>
   </p:cSld>
@@ -1905,7 +1905,7 @@
           <p:cNvPr id="2" name="标题 1">
             <a:extLst>
               <a:ext uri="{FF2B5EF4-FFF2-40B4-BE49-F238E27FC236}">
-                <a16:creationId xmlns:a16="http://schemas.microsoft.com/office/drawing/2014/main" id="{C3F40C7B-0255-60CF-E461-A9C7ABEA111F}"/>
+                <a16:creationId xmlns:a16="http://schemas.microsoft.com/office/drawing/2014/main" id="{A4FBB6E3-C178-43BF-45C6-7F78724FD6AE}"/>
               </a:ext>
             </a:extLst>
           </p:cNvPr>
@@ -1933,7 +1933,7 @@
           <p:cNvPr id="3" name="日期占位符 2">
             <a:extLst>
               <a:ext uri="{FF2B5EF4-FFF2-40B4-BE49-F238E27FC236}">
-                <a16:creationId xmlns:a16="http://schemas.microsoft.com/office/drawing/2014/main" id="{2C72BBB1-DDE6-0B05-D538-1791D0FD60FC}"/>
+                <a16:creationId xmlns:a16="http://schemas.microsoft.com/office/drawing/2014/main" id="{579C6FAF-6011-B59C-A66C-06DAEDA75B25}"/>
               </a:ext>
             </a:extLst>
           </p:cNvPr>
@@ -1949,7 +1949,7 @@
           <a:bodyPr/>
           <a:lstStyle/>
           <a:p>
-            <a:fld id="{87B84423-49DA-488F-A742-F8509C78FBC0}" type="datetimeFigureOut">
+            <a:fld id="{D5509F06-EA1B-44FA-B1CB-A92E80C6D429}" type="datetimeFigureOut">
               <a:rPr lang="zh-CN" altLang="en-US" smtClean="0"/>
               <a:t>2024/3/10</a:t>
             </a:fld>
@@ -1962,7 +1962,7 @@
           <p:cNvPr id="4" name="页脚占位符 3">
             <a:extLst>
               <a:ext uri="{FF2B5EF4-FFF2-40B4-BE49-F238E27FC236}">
-                <a16:creationId xmlns:a16="http://schemas.microsoft.com/office/drawing/2014/main" id="{BAF0B2C7-9203-A837-89B3-9271DB933B65}"/>
+                <a16:creationId xmlns:a16="http://schemas.microsoft.com/office/drawing/2014/main" id="{3C04B34F-727F-736D-1893-F47C1B047CD9}"/>
               </a:ext>
             </a:extLst>
           </p:cNvPr>
@@ -1987,7 +1987,7 @@
           <p:cNvPr id="5" name="灯片编号占位符 4">
             <a:extLst>
               <a:ext uri="{FF2B5EF4-FFF2-40B4-BE49-F238E27FC236}">
-                <a16:creationId xmlns:a16="http://schemas.microsoft.com/office/drawing/2014/main" id="{B2673B1C-B4C5-8CE9-B50F-94C50091AD1C}"/>
+                <a16:creationId xmlns:a16="http://schemas.microsoft.com/office/drawing/2014/main" id="{F25537E7-B697-C2EE-B8BF-85D0A7F42FD7}"/>
               </a:ext>
             </a:extLst>
           </p:cNvPr>
@@ -2003,7 +2003,7 @@
           <a:bodyPr/>
           <a:lstStyle/>
           <a:p>
-            <a:fld id="{42ACB6E0-3B29-45B2-B0DB-A9B4DB8E5D7E}" type="slidenum">
+            <a:fld id="{4C44E83F-F428-4203-A1BB-E88E6F9378C2}" type="slidenum">
               <a:rPr lang="zh-CN" altLang="en-US" smtClean="0"/>
               <a:t>‹#›</a:t>
             </a:fld>
@@ -2014,7 +2014,7 @@
     </p:spTree>
     <p:extLst>
       <p:ext uri="{BB962C8B-B14F-4D97-AF65-F5344CB8AC3E}">
-        <p14:creationId xmlns:p14="http://schemas.microsoft.com/office/powerpoint/2010/main" val="3441999043"/>
+        <p14:creationId xmlns:p14="http://schemas.microsoft.com/office/powerpoint/2010/main" val="2479388294"/>
       </p:ext>
     </p:extLst>
   </p:cSld>
@@ -2046,7 +2046,7 @@
           <p:cNvPr id="2" name="日期占位符 1">
             <a:extLst>
               <a:ext uri="{FF2B5EF4-FFF2-40B4-BE49-F238E27FC236}">
-                <a16:creationId xmlns:a16="http://schemas.microsoft.com/office/drawing/2014/main" id="{452FAC40-8304-C7CB-2054-90715DB35B2C}"/>
+                <a16:creationId xmlns:a16="http://schemas.microsoft.com/office/drawing/2014/main" id="{66C8BD4F-B194-A0CB-F6A8-9980E0B26414}"/>
               </a:ext>
             </a:extLst>
           </p:cNvPr>
@@ -2062,7 +2062,7 @@
           <a:bodyPr/>
           <a:lstStyle/>
           <a:p>
-            <a:fld id="{87B84423-49DA-488F-A742-F8509C78FBC0}" type="datetimeFigureOut">
+            <a:fld id="{D5509F06-EA1B-44FA-B1CB-A92E80C6D429}" type="datetimeFigureOut">
               <a:rPr lang="zh-CN" altLang="en-US" smtClean="0"/>
               <a:t>2024/3/10</a:t>
             </a:fld>
@@ -2075,7 +2075,7 @@
           <p:cNvPr id="3" name="页脚占位符 2">
             <a:extLst>
               <a:ext uri="{FF2B5EF4-FFF2-40B4-BE49-F238E27FC236}">
-                <a16:creationId xmlns:a16="http://schemas.microsoft.com/office/drawing/2014/main" id="{CB75DF62-F5A3-7755-6B03-F881924359DF}"/>
+                <a16:creationId xmlns:a16="http://schemas.microsoft.com/office/drawing/2014/main" id="{57F2DA51-ACE0-5B99-AE7D-434AC1DF58D2}"/>
               </a:ext>
             </a:extLst>
           </p:cNvPr>
@@ -2100,7 +2100,7 @@
           <p:cNvPr id="4" name="灯片编号占位符 3">
             <a:extLst>
               <a:ext uri="{FF2B5EF4-FFF2-40B4-BE49-F238E27FC236}">
-                <a16:creationId xmlns:a16="http://schemas.microsoft.com/office/drawing/2014/main" id="{D48C5A9F-1818-5A08-E736-64EE4503C575}"/>
+                <a16:creationId xmlns:a16="http://schemas.microsoft.com/office/drawing/2014/main" id="{0BCBCB87-4060-EF27-3BD5-A03EC949272E}"/>
               </a:ext>
             </a:extLst>
           </p:cNvPr>
@@ -2116,7 +2116,7 @@
           <a:bodyPr/>
           <a:lstStyle/>
           <a:p>
-            <a:fld id="{42ACB6E0-3B29-45B2-B0DB-A9B4DB8E5D7E}" type="slidenum">
+            <a:fld id="{4C44E83F-F428-4203-A1BB-E88E6F9378C2}" type="slidenum">
               <a:rPr lang="zh-CN" altLang="en-US" smtClean="0"/>
               <a:t>‹#›</a:t>
             </a:fld>
@@ -2127,7 +2127,7 @@
     </p:spTree>
     <p:extLst>
       <p:ext uri="{BB962C8B-B14F-4D97-AF65-F5344CB8AC3E}">
-        <p14:creationId xmlns:p14="http://schemas.microsoft.com/office/powerpoint/2010/main" val="2382582272"/>
+        <p14:creationId xmlns:p14="http://schemas.microsoft.com/office/powerpoint/2010/main" val="813744397"/>
       </p:ext>
     </p:extLst>
   </p:cSld>
@@ -2159,7 +2159,7 @@
           <p:cNvPr id="2" name="标题 1">
             <a:extLst>
               <a:ext uri="{FF2B5EF4-FFF2-40B4-BE49-F238E27FC236}">
-                <a16:creationId xmlns:a16="http://schemas.microsoft.com/office/drawing/2014/main" id="{419DDEBF-1A43-05A6-FDC3-D0686E4A8070}"/>
+                <a16:creationId xmlns:a16="http://schemas.microsoft.com/office/drawing/2014/main" id="{3B6C3B60-893E-4DAC-4437-3A58ADD4684B}"/>
               </a:ext>
             </a:extLst>
           </p:cNvPr>
@@ -2196,7 +2196,7 @@
           <p:cNvPr id="3" name="内容占位符 2">
             <a:extLst>
               <a:ext uri="{FF2B5EF4-FFF2-40B4-BE49-F238E27FC236}">
-                <a16:creationId xmlns:a16="http://schemas.microsoft.com/office/drawing/2014/main" id="{6956D40B-141B-1640-84F8-4A880D2E722B}"/>
+                <a16:creationId xmlns:a16="http://schemas.microsoft.com/office/drawing/2014/main" id="{A63F5550-D278-A7E3-03DE-13C41588F5D0}"/>
               </a:ext>
             </a:extLst>
           </p:cNvPr>
@@ -2286,7 +2286,7 @@
           <p:cNvPr id="4" name="文本占位符 3">
             <a:extLst>
               <a:ext uri="{FF2B5EF4-FFF2-40B4-BE49-F238E27FC236}">
-                <a16:creationId xmlns:a16="http://schemas.microsoft.com/office/drawing/2014/main" id="{E4430719-F6AF-2067-4D2F-D82E7122DB35}"/>
+                <a16:creationId xmlns:a16="http://schemas.microsoft.com/office/drawing/2014/main" id="{6BF25C7A-F0E5-32DF-07C6-50D4564493DD}"/>
               </a:ext>
             </a:extLst>
           </p:cNvPr>
@@ -2357,7 +2357,7 @@
           <p:cNvPr id="5" name="日期占位符 4">
             <a:extLst>
               <a:ext uri="{FF2B5EF4-FFF2-40B4-BE49-F238E27FC236}">
-                <a16:creationId xmlns:a16="http://schemas.microsoft.com/office/drawing/2014/main" id="{9EE4B00D-B557-F77E-C453-9AB766C98572}"/>
+                <a16:creationId xmlns:a16="http://schemas.microsoft.com/office/drawing/2014/main" id="{827C8E9B-0017-D1D1-1D31-666E7227BE82}"/>
               </a:ext>
             </a:extLst>
           </p:cNvPr>
@@ -2373,7 +2373,7 @@
           <a:bodyPr/>
           <a:lstStyle/>
           <a:p>
-            <a:fld id="{87B84423-49DA-488F-A742-F8509C78FBC0}" type="datetimeFigureOut">
+            <a:fld id="{D5509F06-EA1B-44FA-B1CB-A92E80C6D429}" type="datetimeFigureOut">
               <a:rPr lang="zh-CN" altLang="en-US" smtClean="0"/>
               <a:t>2024/3/10</a:t>
             </a:fld>
@@ -2386,7 +2386,7 @@
           <p:cNvPr id="6" name="页脚占位符 5">
             <a:extLst>
               <a:ext uri="{FF2B5EF4-FFF2-40B4-BE49-F238E27FC236}">
-                <a16:creationId xmlns:a16="http://schemas.microsoft.com/office/drawing/2014/main" id="{C3FB2E07-C418-182A-9028-92174977D340}"/>
+                <a16:creationId xmlns:a16="http://schemas.microsoft.com/office/drawing/2014/main" id="{C81A6D7D-AB4F-DD73-58B0-D55C1514E2D0}"/>
               </a:ext>
             </a:extLst>
           </p:cNvPr>
@@ -2411,7 +2411,7 @@
           <p:cNvPr id="7" name="灯片编号占位符 6">
             <a:extLst>
               <a:ext uri="{FF2B5EF4-FFF2-40B4-BE49-F238E27FC236}">
-                <a16:creationId xmlns:a16="http://schemas.microsoft.com/office/drawing/2014/main" id="{280BC22A-8038-4BFE-1E4F-1F5EA330F31E}"/>
+                <a16:creationId xmlns:a16="http://schemas.microsoft.com/office/drawing/2014/main" id="{1B478159-5110-A6F8-7303-2E81E503AFEC}"/>
               </a:ext>
             </a:extLst>
           </p:cNvPr>
@@ -2427,7 +2427,7 @@
           <a:bodyPr/>
           <a:lstStyle/>
           <a:p>
-            <a:fld id="{42ACB6E0-3B29-45B2-B0DB-A9B4DB8E5D7E}" type="slidenum">
+            <a:fld id="{4C44E83F-F428-4203-A1BB-E88E6F9378C2}" type="slidenum">
               <a:rPr lang="zh-CN" altLang="en-US" smtClean="0"/>
               <a:t>‹#›</a:t>
             </a:fld>
@@ -2438,7 +2438,7 @@
     </p:spTree>
     <p:extLst>
       <p:ext uri="{BB962C8B-B14F-4D97-AF65-F5344CB8AC3E}">
-        <p14:creationId xmlns:p14="http://schemas.microsoft.com/office/powerpoint/2010/main" val="1586646106"/>
+        <p14:creationId xmlns:p14="http://schemas.microsoft.com/office/powerpoint/2010/main" val="2378564400"/>
       </p:ext>
     </p:extLst>
   </p:cSld>
@@ -2470,7 +2470,7 @@
           <p:cNvPr id="2" name="标题 1">
             <a:extLst>
               <a:ext uri="{FF2B5EF4-FFF2-40B4-BE49-F238E27FC236}">
-                <a16:creationId xmlns:a16="http://schemas.microsoft.com/office/drawing/2014/main" id="{E9045AAE-E7C1-A2E2-F063-21ACEE150373}"/>
+                <a16:creationId xmlns:a16="http://schemas.microsoft.com/office/drawing/2014/main" id="{5E67E9AD-3B03-2D80-00EE-7B6599D2B26E}"/>
               </a:ext>
             </a:extLst>
           </p:cNvPr>
@@ -2507,7 +2507,7 @@
           <p:cNvPr id="3" name="图片占位符 2">
             <a:extLst>
               <a:ext uri="{FF2B5EF4-FFF2-40B4-BE49-F238E27FC236}">
-                <a16:creationId xmlns:a16="http://schemas.microsoft.com/office/drawing/2014/main" id="{98D5C38F-57E4-E252-E7BF-47DD4B200A23}"/>
+                <a16:creationId xmlns:a16="http://schemas.microsoft.com/office/drawing/2014/main" id="{F7BBD8C9-C3BF-2DEE-BA45-AA440FC520D6}"/>
               </a:ext>
             </a:extLst>
           </p:cNvPr>
@@ -2574,7 +2574,7 @@
           <p:cNvPr id="4" name="文本占位符 3">
             <a:extLst>
               <a:ext uri="{FF2B5EF4-FFF2-40B4-BE49-F238E27FC236}">
-                <a16:creationId xmlns:a16="http://schemas.microsoft.com/office/drawing/2014/main" id="{E32B1728-43D4-1BD0-D781-3486E99353C6}"/>
+                <a16:creationId xmlns:a16="http://schemas.microsoft.com/office/drawing/2014/main" id="{F4A6750F-3424-21C0-A4F7-20A07C37DE77}"/>
               </a:ext>
             </a:extLst>
           </p:cNvPr>
@@ -2645,7 +2645,7 @@
           <p:cNvPr id="5" name="日期占位符 4">
             <a:extLst>
               <a:ext uri="{FF2B5EF4-FFF2-40B4-BE49-F238E27FC236}">
-                <a16:creationId xmlns:a16="http://schemas.microsoft.com/office/drawing/2014/main" id="{553F94FB-A9A3-FCF0-F580-773F3A99E278}"/>
+                <a16:creationId xmlns:a16="http://schemas.microsoft.com/office/drawing/2014/main" id="{DDEEC1C6-29C7-A1E2-F3B2-0DA3C7022AC7}"/>
               </a:ext>
             </a:extLst>
           </p:cNvPr>
@@ -2661,7 +2661,7 @@
           <a:bodyPr/>
           <a:lstStyle/>
           <a:p>
-            <a:fld id="{87B84423-49DA-488F-A742-F8509C78FBC0}" type="datetimeFigureOut">
+            <a:fld id="{D5509F06-EA1B-44FA-B1CB-A92E80C6D429}" type="datetimeFigureOut">
               <a:rPr lang="zh-CN" altLang="en-US" smtClean="0"/>
               <a:t>2024/3/10</a:t>
             </a:fld>
@@ -2674,7 +2674,7 @@
           <p:cNvPr id="6" name="页脚占位符 5">
             <a:extLst>
               <a:ext uri="{FF2B5EF4-FFF2-40B4-BE49-F238E27FC236}">
-                <a16:creationId xmlns:a16="http://schemas.microsoft.com/office/drawing/2014/main" id="{1A640AE7-D109-0007-EA92-3BB2EE9ED949}"/>
+                <a16:creationId xmlns:a16="http://schemas.microsoft.com/office/drawing/2014/main" id="{72BAD613-CB1D-4D5A-11D8-5AD6C4B53C3E}"/>
               </a:ext>
             </a:extLst>
           </p:cNvPr>
@@ -2699,7 +2699,7 @@
           <p:cNvPr id="7" name="灯片编号占位符 6">
             <a:extLst>
               <a:ext uri="{FF2B5EF4-FFF2-40B4-BE49-F238E27FC236}">
-                <a16:creationId xmlns:a16="http://schemas.microsoft.com/office/drawing/2014/main" id="{E2A003BB-43AC-9281-3101-DDEE7645F20B}"/>
+                <a16:creationId xmlns:a16="http://schemas.microsoft.com/office/drawing/2014/main" id="{76DB00AD-5261-8DC7-C098-6B89D2B4C1E4}"/>
               </a:ext>
             </a:extLst>
           </p:cNvPr>
@@ -2715,7 +2715,7 @@
           <a:bodyPr/>
           <a:lstStyle/>
           <a:p>
-            <a:fld id="{42ACB6E0-3B29-45B2-B0DB-A9B4DB8E5D7E}" type="slidenum">
+            <a:fld id="{4C44E83F-F428-4203-A1BB-E88E6F9378C2}" type="slidenum">
               <a:rPr lang="zh-CN" altLang="en-US" smtClean="0"/>
               <a:t>‹#›</a:t>
             </a:fld>
@@ -2726,7 +2726,7 @@
     </p:spTree>
     <p:extLst>
       <p:ext uri="{BB962C8B-B14F-4D97-AF65-F5344CB8AC3E}">
-        <p14:creationId xmlns:p14="http://schemas.microsoft.com/office/powerpoint/2010/main" val="3112196321"/>
+        <p14:creationId xmlns:p14="http://schemas.microsoft.com/office/powerpoint/2010/main" val="1553392227"/>
       </p:ext>
     </p:extLst>
   </p:cSld>
@@ -2763,7 +2763,7 @@
           <p:cNvPr id="2" name="标题占位符 1">
             <a:extLst>
               <a:ext uri="{FF2B5EF4-FFF2-40B4-BE49-F238E27FC236}">
-                <a16:creationId xmlns:a16="http://schemas.microsoft.com/office/drawing/2014/main" id="{CCCDA3C1-27D6-6977-6352-211F509CC22C}"/>
+                <a16:creationId xmlns:a16="http://schemas.microsoft.com/office/drawing/2014/main" id="{56C0E0F4-6520-7CF7-9549-EB33EB0D7CDB}"/>
               </a:ext>
             </a:extLst>
           </p:cNvPr>
@@ -2801,7 +2801,7 @@
           <p:cNvPr id="3" name="文本占位符 2">
             <a:extLst>
               <a:ext uri="{FF2B5EF4-FFF2-40B4-BE49-F238E27FC236}">
-                <a16:creationId xmlns:a16="http://schemas.microsoft.com/office/drawing/2014/main" id="{71745CB4-B400-418E-EDEC-9DCD1D6A7A96}"/>
+                <a16:creationId xmlns:a16="http://schemas.microsoft.com/office/drawing/2014/main" id="{058B6B21-5BDA-91B1-3A58-8C9C9D6F1E73}"/>
               </a:ext>
             </a:extLst>
           </p:cNvPr>
@@ -2868,7 +2868,7 @@
           <p:cNvPr id="4" name="日期占位符 3">
             <a:extLst>
               <a:ext uri="{FF2B5EF4-FFF2-40B4-BE49-F238E27FC236}">
-                <a16:creationId xmlns:a16="http://schemas.microsoft.com/office/drawing/2014/main" id="{6315CED8-BFE5-0008-8770-EC5E32C96D77}"/>
+                <a16:creationId xmlns:a16="http://schemas.microsoft.com/office/drawing/2014/main" id="{4EED190A-F3B6-A430-62F8-E470A20B27B9}"/>
               </a:ext>
             </a:extLst>
           </p:cNvPr>
@@ -2902,7 +2902,7 @@
             </a:lvl1pPr>
           </a:lstStyle>
           <a:p>
-            <a:fld id="{87B84423-49DA-488F-A742-F8509C78FBC0}" type="datetimeFigureOut">
+            <a:fld id="{D5509F06-EA1B-44FA-B1CB-A92E80C6D429}" type="datetimeFigureOut">
               <a:rPr lang="zh-CN" altLang="en-US" smtClean="0"/>
               <a:t>2024/3/10</a:t>
             </a:fld>
@@ -2915,7 +2915,7 @@
           <p:cNvPr id="5" name="页脚占位符 4">
             <a:extLst>
               <a:ext uri="{FF2B5EF4-FFF2-40B4-BE49-F238E27FC236}">
-                <a16:creationId xmlns:a16="http://schemas.microsoft.com/office/drawing/2014/main" id="{7B0284EC-4284-176D-E405-E8176B59B714}"/>
+                <a16:creationId xmlns:a16="http://schemas.microsoft.com/office/drawing/2014/main" id="{98386654-8659-0C35-A0CE-CEEB063865C8}"/>
               </a:ext>
             </a:extLst>
           </p:cNvPr>
@@ -2958,7 +2958,7 @@
           <p:cNvPr id="6" name="灯片编号占位符 5">
             <a:extLst>
               <a:ext uri="{FF2B5EF4-FFF2-40B4-BE49-F238E27FC236}">
-                <a16:creationId xmlns:a16="http://schemas.microsoft.com/office/drawing/2014/main" id="{BEDDB374-D74F-DEFE-8967-316A4502FF15}"/>
+                <a16:creationId xmlns:a16="http://schemas.microsoft.com/office/drawing/2014/main" id="{626A07D0-AFE5-EEC0-E81D-A33AAE3323D4}"/>
               </a:ext>
             </a:extLst>
           </p:cNvPr>
@@ -2992,7 +2992,7 @@
             </a:lvl1pPr>
           </a:lstStyle>
           <a:p>
-            <a:fld id="{42ACB6E0-3B29-45B2-B0DB-A9B4DB8E5D7E}" type="slidenum">
+            <a:fld id="{4C44E83F-F428-4203-A1BB-E88E6F9378C2}" type="slidenum">
               <a:rPr lang="zh-CN" altLang="en-US" smtClean="0"/>
               <a:t>‹#›</a:t>
             </a:fld>
@@ -3003,7 +3003,7 @@
     </p:spTree>
     <p:extLst>
       <p:ext uri="{BB962C8B-B14F-4D97-AF65-F5344CB8AC3E}">
-        <p14:creationId xmlns:p14="http://schemas.microsoft.com/office/powerpoint/2010/main" val="3984288018"/>
+        <p14:creationId xmlns:p14="http://schemas.microsoft.com/office/powerpoint/2010/main" val="3322720784"/>
       </p:ext>
     </p:extLst>
   </p:cSld>
